--- a/Climate Data Introduction.pptx
+++ b/Climate Data Introduction.pptx
@@ -124,6 +124,11 @@
       </a:defRPr>
     </a:lvl9pPr>
   </p:defaultTextStyle>
+  <p:extLst>
+    <p:ext uri="{EFAFB233-063F-42B5-8137-9DF3F51BA10A}">
+      <p15:sldGuideLst xmlns:p15="http://schemas.microsoft.com/office/powerpoint/2012/main"/>
+    </p:ext>
+  </p:extLst>
 </p:presentation>
 </file>
 
@@ -3610,7 +3615,7 @@
           <a:p>
             <a:r>
               <a:rPr lang="en-US" dirty="0"/>
-              <a:t>Data structure example: </a:t>
+              <a:t>(Geo-Demographic)Data structure example: </a:t>
             </a:r>
             <a:br>
               <a:rPr lang="en-US" dirty="0"/>
@@ -3819,7 +3824,7 @@
             </a:r>
             <a:r>
               <a:rPr lang="en-US" altLang="zh-CN" dirty="0"/>
-              <a:t> </a:t>
+              <a:t> (link)</a:t>
             </a:r>
           </a:p>
           <a:p>
@@ -4781,7 +4786,7 @@
             </a:r>
             <a:r>
               <a:rPr lang="en-US" sz="3200" dirty="0"/>
-              <a:t> for more detailed instruction</a:t>
+              <a:t> for more detailed instruction (link)</a:t>
             </a:r>
           </a:p>
           <a:p>
@@ -4889,12 +4894,6 @@
           <a:p>
             <a:r>
               <a:rPr lang="en-US" dirty="0"/>
-              <a:t>Note that UTCI is a heat index</a:t>
-            </a:r>
-          </a:p>
-          <a:p>
-            <a:r>
-              <a:rPr lang="en-US" dirty="0"/>
               <a:t>GitHub: ear5_utci.py</a:t>
             </a:r>
           </a:p>
@@ -4921,6 +4920,76 @@
               </a:rPr>
               <a:t>code editor</a:t>
             </a:r>
+          </a:p>
+          <a:p>
+            <a:r>
+              <a:rPr lang="en-US" dirty="0">
+                <a:solidFill>
+                  <a:srgbClr val="0D0D0D"/>
+                </a:solidFill>
+                <a:latin typeface="Söhne"/>
+              </a:rPr>
+              <a:t>Open </a:t>
+            </a:r>
+            <a:r>
+              <a:rPr lang="en-US" dirty="0"/>
+              <a:t>ear5_utci.py using VS Code</a:t>
+            </a:r>
+          </a:p>
+          <a:p>
+            <a:r>
+              <a:rPr lang="en-US" b="0" dirty="0">
+                <a:solidFill>
+                  <a:srgbClr val="0D0D0D"/>
+                </a:solidFill>
+                <a:effectLst/>
+                <a:latin typeface="Söhne"/>
+              </a:rPr>
+              <a:t>Enable </a:t>
+            </a:r>
+            <a:r>
+              <a:rPr lang="en-US" dirty="0">
+                <a:solidFill>
+                  <a:srgbClr val="0D0D0D"/>
+                </a:solidFill>
+                <a:latin typeface="Söhne"/>
+              </a:rPr>
+              <a:t>python </a:t>
+            </a:r>
+            <a:r>
+              <a:rPr lang="en-US" b="0" dirty="0">
+                <a:solidFill>
+                  <a:srgbClr val="0D0D0D"/>
+                </a:solidFill>
+                <a:effectLst/>
+                <a:latin typeface="Söhne"/>
+              </a:rPr>
+              <a:t>e</a:t>
+            </a:r>
+            <a:r>
+              <a:rPr lang="en-US" dirty="0">
+                <a:solidFill>
+                  <a:srgbClr val="0D0D0D"/>
+                </a:solidFill>
+                <a:latin typeface="Söhne"/>
+              </a:rPr>
+              <a:t>xtension in VS Code and it will auto detect the environment created</a:t>
+            </a:r>
+            <a:endParaRPr lang="en-US" b="0" dirty="0">
+              <a:solidFill>
+                <a:srgbClr val="0D0D0D"/>
+              </a:solidFill>
+              <a:effectLst/>
+              <a:latin typeface="Söhne"/>
+            </a:endParaRPr>
+          </a:p>
+          <a:p>
+            <a:r>
+              <a:rPr lang="en-US" dirty="0"/>
+              <a:t>Note that UTCI is a heat index not the temperature per se. </a:t>
+            </a:r>
+          </a:p>
+          <a:p>
             <a:endParaRPr lang="en-US" dirty="0"/>
           </a:p>
         </p:txBody>
@@ -5329,6 +5398,14 @@
               </a:rPr>
               <a:t>Climate Hazards Center at UCSB</a:t>
             </a:r>
+            <a:r>
+              <a:rPr lang="en-US" dirty="0"/>
+              <a:t>(</a:t>
+            </a:r>
+            <a:r>
+              <a:rPr lang="en-US" altLang="zh-CN" dirty="0"/>
+              <a:t>link)</a:t>
+            </a:r>
             <a:endParaRPr lang="en-US" dirty="0"/>
           </a:p>
         </p:txBody>
@@ -5602,7 +5679,7 @@
             <a:pPr lvl="1"/>
             <a:r>
               <a:rPr lang="en-US" dirty="0"/>
-              <a:t>There will be one online workshop on March 20 on </a:t>
+              <a:t>There will be one online workshop on March 20 about </a:t>
             </a:r>
             <a:r>
               <a:rPr lang="en-US" dirty="0">
@@ -5716,7 +5793,7 @@
           <a:p>
             <a:r>
               <a:rPr lang="en-US" sz="2400" dirty="0"/>
-              <a:t>Who is at risk, where, and when?</a:t>
+              <a:t>Who is at risk, where, and when? </a:t>
             </a:r>
           </a:p>
           <a:p>
@@ -5782,7 +5859,7 @@
           <a:p>
             <a:r>
               <a:rPr lang="en-US" sz="2400" dirty="0"/>
-              <a:t>Other risks…</a:t>
+              <a:t>Other risks…by social groups…</a:t>
             </a:r>
           </a:p>
         </p:txBody>
@@ -5840,7 +5917,7 @@
           <a:p>
             <a:r>
               <a:rPr lang="en-US" dirty="0"/>
-              <a:t>DHS</a:t>
+              <a:t>DHS (unit of analysis: cluster)</a:t>
             </a:r>
           </a:p>
         </p:txBody>
@@ -5967,14 +6044,19 @@
             <p:ph type="title"/>
           </p:nvPr>
         </p:nvSpPr>
-        <p:spPr/>
+        <p:spPr>
+          <a:xfrm>
+            <a:off x="838199" y="365125"/>
+            <a:ext cx="10729823" cy="1325563"/>
+          </a:xfrm>
+        </p:spPr>
         <p:txBody>
           <a:bodyPr/>
           <a:lstStyle/>
           <a:p>
             <a:r>
               <a:rPr lang="en-US" dirty="0"/>
-              <a:t>DHS GIS file structure</a:t>
+              <a:t>DHS GIS file structure (each line is one cluster)</a:t>
             </a:r>
           </a:p>
         </p:txBody>
@@ -6033,7 +6115,7 @@
         </p:spPr>
         <p:txBody>
           <a:bodyPr vert="horz" lIns="91440" tIns="45720" rIns="91440" bIns="45720" rtlCol="0">
-            <a:normAutofit/>
+            <a:normAutofit fontScale="92500"/>
           </a:bodyPr>
           <a:lstStyle>
             <a:lvl1pPr marL="228600" indent="-228600" algn="l" defTabSz="914400" rtl="0" eaLnBrk="1" latinLnBrk="0" hangingPunct="1">
@@ -6202,13 +6284,19 @@
           <a:p>
             <a:r>
               <a:rPr lang="en-US" dirty="0"/>
-              <a:t>Based on rural/urban status, create a 10 km buffer around each coordinate</a:t>
+              <a:t>How to link DHS with climate data?</a:t>
             </a:r>
           </a:p>
           <a:p>
             <a:r>
               <a:rPr lang="en-US" dirty="0"/>
-              <a:t>Spatial average the climate data points within the buffer</a:t>
+              <a:t>Based on rural/urban status, create a 10 km or other-size buffer around each coordinate (follow DHS recommendations and literature)</a:t>
+            </a:r>
+          </a:p>
+          <a:p>
+            <a:r>
+              <a:rPr lang="en-US" dirty="0"/>
+              <a:t>Spatial average the climate data points within the buffer as proxy for the cluster</a:t>
             </a:r>
           </a:p>
         </p:txBody>
@@ -6355,7 +6443,7 @@
           <a:p>
             <a:r>
               <a:rPr lang="en-US" sz="2400" dirty="0"/>
-              <a:t>Other populations…</a:t>
+              <a:t>Other populations…other outcomes…</a:t>
             </a:r>
           </a:p>
         </p:txBody>
@@ -7058,7 +7146,7 @@
           <a:p>
             <a:r>
               <a:rPr lang="en-US" dirty="0"/>
-              <a:t>Each coordinate stores climate data</a:t>
+              <a:t>Each coordinate stores coord-specific climate data</a:t>
             </a:r>
           </a:p>
         </p:txBody>
@@ -7137,8 +7225,8 @@
         </p:blipFill>
         <p:spPr bwMode="auto">
           <a:xfrm>
-            <a:off x="1600200" y="1346796"/>
-            <a:ext cx="7700686" cy="5444674"/>
+            <a:off x="1600200" y="1695028"/>
+            <a:ext cx="7302260" cy="5162972"/>
           </a:xfrm>
           <a:prstGeom prst="rect">
             <a:avLst/>
@@ -7208,7 +7296,7 @@
           <a:p>
             <a:r>
               <a:rPr lang="en-US" dirty="0"/>
-              <a:t>Data structure example: </a:t>
+              <a:t>Climate Data structure example: </a:t>
             </a:r>
             <a:br>
               <a:rPr lang="en-US" dirty="0"/>

--- a/Climate Data Introduction.pptx
+++ b/Climate Data Introduction.pptx
@@ -5049,6 +5049,18 @@
               <a:rPr lang="en-US" dirty="0"/>
               <a:t>Enable all extensions (python extension)</a:t>
             </a:r>
+            <a:br>
+              <a:rPr lang="en-US" dirty="0"/>
+            </a:br>
+            <a:r>
+              <a:rPr lang="en-US" altLang="zh-CN" dirty="0" err="1"/>
+              <a:t>ctrl+shift+x</a:t>
+            </a:r>
+            <a:r>
+              <a:rPr lang="en-US" altLang="zh-CN" dirty="0"/>
+              <a:t> or go to View &gt; Extensions</a:t>
+            </a:r>
+            <a:endParaRPr lang="en-US" dirty="0"/>
           </a:p>
         </p:txBody>
       </p:sp>
@@ -5406,6 +5418,13 @@
               <a:rPr lang="en-US" altLang="zh-CN" dirty="0"/>
               <a:t>link)</a:t>
             </a:r>
+            <a:br>
+              <a:rPr lang="en-US" altLang="zh-CN" dirty="0"/>
+            </a:br>
+            <a:r>
+              <a:rPr lang="en-US" altLang="zh-CN" sz="3200" dirty="0"/>
+              <a:t>be aware, poorly documented</a:t>
+            </a:r>
             <a:endParaRPr lang="en-US" dirty="0"/>
           </a:p>
         </p:txBody>
@@ -5693,7 +5712,7 @@
             <a:pPr lvl="1"/>
             <a:r>
               <a:rPr lang="en-US" dirty="0"/>
-              <a:t>Currently full, but recording will be posted on </a:t>
+              <a:t>Currently no space for new register, but recording will be posted on </a:t>
             </a:r>
             <a:r>
               <a:rPr lang="en-US" dirty="0">

--- a/Climate Data Introduction.pptx
+++ b/Climate Data Introduction.pptx
@@ -279,7 +279,7 @@
           <a:p>
             <a:fld id="{4D16034C-7F45-4563-A2B0-CE84E0C37D3B}" type="datetimeFigureOut">
               <a:rPr lang="en-US" smtClean="0"/>
-              <a:t>3/14/2024</a:t>
+              <a:t>3/15/2024</a:t>
             </a:fld>
             <a:endParaRPr lang="en-US"/>
           </a:p>
@@ -477,7 +477,7 @@
           <a:p>
             <a:fld id="{4D16034C-7F45-4563-A2B0-CE84E0C37D3B}" type="datetimeFigureOut">
               <a:rPr lang="en-US" smtClean="0"/>
-              <a:t>3/14/2024</a:t>
+              <a:t>3/15/2024</a:t>
             </a:fld>
             <a:endParaRPr lang="en-US"/>
           </a:p>
@@ -685,7 +685,7 @@
           <a:p>
             <a:fld id="{4D16034C-7F45-4563-A2B0-CE84E0C37D3B}" type="datetimeFigureOut">
               <a:rPr lang="en-US" smtClean="0"/>
-              <a:t>3/14/2024</a:t>
+              <a:t>3/15/2024</a:t>
             </a:fld>
             <a:endParaRPr lang="en-US"/>
           </a:p>
@@ -883,7 +883,7 @@
           <a:p>
             <a:fld id="{4D16034C-7F45-4563-A2B0-CE84E0C37D3B}" type="datetimeFigureOut">
               <a:rPr lang="en-US" smtClean="0"/>
-              <a:t>3/14/2024</a:t>
+              <a:t>3/15/2024</a:t>
             </a:fld>
             <a:endParaRPr lang="en-US"/>
           </a:p>
@@ -1158,7 +1158,7 @@
           <a:p>
             <a:fld id="{4D16034C-7F45-4563-A2B0-CE84E0C37D3B}" type="datetimeFigureOut">
               <a:rPr lang="en-US" smtClean="0"/>
-              <a:t>3/14/2024</a:t>
+              <a:t>3/15/2024</a:t>
             </a:fld>
             <a:endParaRPr lang="en-US"/>
           </a:p>
@@ -1423,7 +1423,7 @@
           <a:p>
             <a:fld id="{4D16034C-7F45-4563-A2B0-CE84E0C37D3B}" type="datetimeFigureOut">
               <a:rPr lang="en-US" smtClean="0"/>
-              <a:t>3/14/2024</a:t>
+              <a:t>3/15/2024</a:t>
             </a:fld>
             <a:endParaRPr lang="en-US"/>
           </a:p>
@@ -1835,7 +1835,7 @@
           <a:p>
             <a:fld id="{4D16034C-7F45-4563-A2B0-CE84E0C37D3B}" type="datetimeFigureOut">
               <a:rPr lang="en-US" smtClean="0"/>
-              <a:t>3/14/2024</a:t>
+              <a:t>3/15/2024</a:t>
             </a:fld>
             <a:endParaRPr lang="en-US"/>
           </a:p>
@@ -1976,7 +1976,7 @@
           <a:p>
             <a:fld id="{4D16034C-7F45-4563-A2B0-CE84E0C37D3B}" type="datetimeFigureOut">
               <a:rPr lang="en-US" smtClean="0"/>
-              <a:t>3/14/2024</a:t>
+              <a:t>3/15/2024</a:t>
             </a:fld>
             <a:endParaRPr lang="en-US"/>
           </a:p>
@@ -2089,7 +2089,7 @@
           <a:p>
             <a:fld id="{4D16034C-7F45-4563-A2B0-CE84E0C37D3B}" type="datetimeFigureOut">
               <a:rPr lang="en-US" smtClean="0"/>
-              <a:t>3/14/2024</a:t>
+              <a:t>3/15/2024</a:t>
             </a:fld>
             <a:endParaRPr lang="en-US"/>
           </a:p>
@@ -2400,7 +2400,7 @@
           <a:p>
             <a:fld id="{4D16034C-7F45-4563-A2B0-CE84E0C37D3B}" type="datetimeFigureOut">
               <a:rPr lang="en-US" smtClean="0"/>
-              <a:t>3/14/2024</a:t>
+              <a:t>3/15/2024</a:t>
             </a:fld>
             <a:endParaRPr lang="en-US"/>
           </a:p>
@@ -2688,7 +2688,7 @@
           <a:p>
             <a:fld id="{4D16034C-7F45-4563-A2B0-CE84E0C37D3B}" type="datetimeFigureOut">
               <a:rPr lang="en-US" smtClean="0"/>
-              <a:t>3/14/2024</a:t>
+              <a:t>3/15/2024</a:t>
             </a:fld>
             <a:endParaRPr lang="en-US"/>
           </a:p>
@@ -2929,7 +2929,7 @@
           <a:p>
             <a:fld id="{4D16034C-7F45-4563-A2B0-CE84E0C37D3B}" type="datetimeFigureOut">
               <a:rPr lang="en-US" smtClean="0"/>
-              <a:t>3/14/2024</a:t>
+              <a:t>3/15/2024</a:t>
             </a:fld>
             <a:endParaRPr lang="en-US"/>
           </a:p>
@@ -4904,7 +4904,7 @@
             </a:r>
             <a:r>
               <a:rPr lang="en-US" i="1" dirty="0"/>
-              <a:t>Visual Studio Code, </a:t>
+              <a:t>Visual Studio Code, a </a:t>
             </a:r>
             <a:r>
               <a:rPr lang="en-US" dirty="0"/>
@@ -4954,7 +4954,7 @@
                 </a:solidFill>
                 <a:latin typeface="Söhne"/>
               </a:rPr>
-              <a:t>python </a:t>
+              <a:t>Python </a:t>
             </a:r>
             <a:r>
               <a:rPr lang="en-US" b="0" dirty="0">
@@ -4973,7 +4973,7 @@
                 </a:solidFill>
                 <a:latin typeface="Söhne"/>
               </a:rPr>
-              <a:t>xtension in VS Code and it will auto detect the environment created</a:t>
+              <a:t>xtension in VS Code and it will auto auto-detect the environment created</a:t>
             </a:r>
             <a:endParaRPr lang="en-US" b="0" dirty="0">
               <a:solidFill>
@@ -4990,7 +4990,20 @@
             </a:r>
           </a:p>
           <a:p>
-            <a:endParaRPr lang="en-US" dirty="0"/>
+            <a:r>
+              <a:rPr lang="en-US" dirty="0"/>
+              <a:t>Visit the </a:t>
+            </a:r>
+            <a:r>
+              <a:rPr lang="en-US" dirty="0">
+                <a:hlinkClick r:id="rId2"/>
+              </a:rPr>
+              <a:t>Climate Data Store </a:t>
+            </a:r>
+            <a:r>
+              <a:rPr lang="en-US" dirty="0"/>
+              <a:t>for more data product</a:t>
+            </a:r>
           </a:p>
         </p:txBody>
       </p:sp>

--- a/Climate Data Introduction.pptx
+++ b/Climate Data Introduction.pptx
@@ -22,10 +22,11 @@
     <p:sldId id="270" r:id="rId16"/>
     <p:sldId id="274" r:id="rId17"/>
     <p:sldId id="275" r:id="rId18"/>
-    <p:sldId id="276" r:id="rId19"/>
-    <p:sldId id="277" r:id="rId20"/>
-    <p:sldId id="279" r:id="rId21"/>
-    <p:sldId id="278" r:id="rId22"/>
+    <p:sldId id="280" r:id="rId19"/>
+    <p:sldId id="276" r:id="rId20"/>
+    <p:sldId id="277" r:id="rId21"/>
+    <p:sldId id="279" r:id="rId22"/>
+    <p:sldId id="278" r:id="rId23"/>
   </p:sldIdLst>
   <p:sldSz cx="12192000" cy="6858000"/>
   <p:notesSz cx="6858000" cy="9144000"/>
@@ -279,7 +280,7 @@
           <a:p>
             <a:fld id="{4D16034C-7F45-4563-A2B0-CE84E0C37D3B}" type="datetimeFigureOut">
               <a:rPr lang="en-US" smtClean="0"/>
-              <a:t>3/15/2024</a:t>
+              <a:t>4/16/2024</a:t>
             </a:fld>
             <a:endParaRPr lang="en-US"/>
           </a:p>
@@ -477,7 +478,7 @@
           <a:p>
             <a:fld id="{4D16034C-7F45-4563-A2B0-CE84E0C37D3B}" type="datetimeFigureOut">
               <a:rPr lang="en-US" smtClean="0"/>
-              <a:t>3/15/2024</a:t>
+              <a:t>4/16/2024</a:t>
             </a:fld>
             <a:endParaRPr lang="en-US"/>
           </a:p>
@@ -685,7 +686,7 @@
           <a:p>
             <a:fld id="{4D16034C-7F45-4563-A2B0-CE84E0C37D3B}" type="datetimeFigureOut">
               <a:rPr lang="en-US" smtClean="0"/>
-              <a:t>3/15/2024</a:t>
+              <a:t>4/16/2024</a:t>
             </a:fld>
             <a:endParaRPr lang="en-US"/>
           </a:p>
@@ -883,7 +884,7 @@
           <a:p>
             <a:fld id="{4D16034C-7F45-4563-A2B0-CE84E0C37D3B}" type="datetimeFigureOut">
               <a:rPr lang="en-US" smtClean="0"/>
-              <a:t>3/15/2024</a:t>
+              <a:t>4/16/2024</a:t>
             </a:fld>
             <a:endParaRPr lang="en-US"/>
           </a:p>
@@ -1158,7 +1159,7 @@
           <a:p>
             <a:fld id="{4D16034C-7F45-4563-A2B0-CE84E0C37D3B}" type="datetimeFigureOut">
               <a:rPr lang="en-US" smtClean="0"/>
-              <a:t>3/15/2024</a:t>
+              <a:t>4/16/2024</a:t>
             </a:fld>
             <a:endParaRPr lang="en-US"/>
           </a:p>
@@ -1423,7 +1424,7 @@
           <a:p>
             <a:fld id="{4D16034C-7F45-4563-A2B0-CE84E0C37D3B}" type="datetimeFigureOut">
               <a:rPr lang="en-US" smtClean="0"/>
-              <a:t>3/15/2024</a:t>
+              <a:t>4/16/2024</a:t>
             </a:fld>
             <a:endParaRPr lang="en-US"/>
           </a:p>
@@ -1835,7 +1836,7 @@
           <a:p>
             <a:fld id="{4D16034C-7F45-4563-A2B0-CE84E0C37D3B}" type="datetimeFigureOut">
               <a:rPr lang="en-US" smtClean="0"/>
-              <a:t>3/15/2024</a:t>
+              <a:t>4/16/2024</a:t>
             </a:fld>
             <a:endParaRPr lang="en-US"/>
           </a:p>
@@ -1976,7 +1977,7 @@
           <a:p>
             <a:fld id="{4D16034C-7F45-4563-A2B0-CE84E0C37D3B}" type="datetimeFigureOut">
               <a:rPr lang="en-US" smtClean="0"/>
-              <a:t>3/15/2024</a:t>
+              <a:t>4/16/2024</a:t>
             </a:fld>
             <a:endParaRPr lang="en-US"/>
           </a:p>
@@ -2089,7 +2090,7 @@
           <a:p>
             <a:fld id="{4D16034C-7F45-4563-A2B0-CE84E0C37D3B}" type="datetimeFigureOut">
               <a:rPr lang="en-US" smtClean="0"/>
-              <a:t>3/15/2024</a:t>
+              <a:t>4/16/2024</a:t>
             </a:fld>
             <a:endParaRPr lang="en-US"/>
           </a:p>
@@ -2400,7 +2401,7 @@
           <a:p>
             <a:fld id="{4D16034C-7F45-4563-A2B0-CE84E0C37D3B}" type="datetimeFigureOut">
               <a:rPr lang="en-US" smtClean="0"/>
-              <a:t>3/15/2024</a:t>
+              <a:t>4/16/2024</a:t>
             </a:fld>
             <a:endParaRPr lang="en-US"/>
           </a:p>
@@ -2688,7 +2689,7 @@
           <a:p>
             <a:fld id="{4D16034C-7F45-4563-A2B0-CE84E0C37D3B}" type="datetimeFigureOut">
               <a:rPr lang="en-US" smtClean="0"/>
-              <a:t>3/15/2024</a:t>
+              <a:t>4/16/2024</a:t>
             </a:fld>
             <a:endParaRPr lang="en-US"/>
           </a:p>
@@ -2929,7 +2930,7 @@
           <a:p>
             <a:fld id="{4D16034C-7F45-4563-A2B0-CE84E0C37D3B}" type="datetimeFigureOut">
               <a:rPr lang="en-US" smtClean="0"/>
-              <a:t>3/15/2024</a:t>
+              <a:t>4/16/2024</a:t>
             </a:fld>
             <a:endParaRPr lang="en-US"/>
           </a:p>
@@ -5536,6 +5537,96 @@
           <p:cNvPr id="2" name="Title 1">
             <a:extLst>
               <a:ext uri="{FF2B5EF4-FFF2-40B4-BE49-F238E27FC236}">
+                <a16:creationId xmlns:a16="http://schemas.microsoft.com/office/drawing/2014/main" id="{743CF3E4-E166-AFEA-0237-CE1A433D0B9B}"/>
+              </a:ext>
+            </a:extLst>
+          </p:cNvPr>
+          <p:cNvSpPr>
+            <a:spLocks noGrp="1"/>
+          </p:cNvSpPr>
+          <p:nvPr>
+            <p:ph type="title"/>
+          </p:nvPr>
+        </p:nvSpPr>
+        <p:spPr/>
+        <p:txBody>
+          <a:bodyPr/>
+          <a:lstStyle/>
+          <a:p>
+            <a:r>
+              <a:rPr lang="en-US" altLang="zh-CN"/>
+              <a:t>CHIRPS R package</a:t>
+            </a:r>
+            <a:endParaRPr lang="en-US" dirty="0"/>
+          </a:p>
+        </p:txBody>
+      </p:sp>
+      <p:sp>
+        <p:nvSpPr>
+          <p:cNvPr id="3" name="Content Placeholder 2">
+            <a:extLst>
+              <a:ext uri="{FF2B5EF4-FFF2-40B4-BE49-F238E27FC236}">
+                <a16:creationId xmlns:a16="http://schemas.microsoft.com/office/drawing/2014/main" id="{0A24DD10-04CA-D521-6C34-E4F9646212FE}"/>
+              </a:ext>
+            </a:extLst>
+          </p:cNvPr>
+          <p:cNvSpPr>
+            <a:spLocks noGrp="1"/>
+          </p:cNvSpPr>
+          <p:nvPr>
+            <p:ph idx="1"/>
+          </p:nvPr>
+        </p:nvSpPr>
+        <p:spPr/>
+        <p:txBody>
+          <a:bodyPr/>
+          <a:lstStyle/>
+          <a:p>
+            <a:r>
+              <a:rPr lang="en-US" dirty="0">
+                <a:hlinkClick r:id="rId2"/>
+              </a:rPr>
+              <a:t>API Client for CHIRPS and CHIRTS • chirps (ropensci.org)</a:t>
+            </a:r>
+            <a:endParaRPr lang="en-US" dirty="0"/>
+          </a:p>
+        </p:txBody>
+      </p:sp>
+    </p:spTree>
+    <p:extLst>
+      <p:ext uri="{BB962C8B-B14F-4D97-AF65-F5344CB8AC3E}">
+        <p14:creationId xmlns:p14="http://schemas.microsoft.com/office/powerpoint/2010/main" val="514045405"/>
+      </p:ext>
+    </p:extLst>
+  </p:cSld>
+  <p:clrMapOvr>
+    <a:masterClrMapping/>
+  </p:clrMapOvr>
+</p:sld>
+</file>
+
+<file path=ppt/slides/slide19.xml><?xml version="1.0" encoding="utf-8"?>
+<p:sld xmlns:a="http://schemas.openxmlformats.org/drawingml/2006/main" xmlns:r="http://schemas.openxmlformats.org/officeDocument/2006/relationships" xmlns:p="http://schemas.openxmlformats.org/presentationml/2006/main">
+  <p:cSld>
+    <p:spTree>
+      <p:nvGrpSpPr>
+        <p:cNvPr id="1" name=""/>
+        <p:cNvGrpSpPr/>
+        <p:nvPr/>
+      </p:nvGrpSpPr>
+      <p:grpSpPr>
+        <a:xfrm>
+          <a:off x="0" y="0"/>
+          <a:ext cx="0" cy="0"/>
+          <a:chOff x="0" y="0"/>
+          <a:chExt cx="0" cy="0"/>
+        </a:xfrm>
+      </p:grpSpPr>
+      <p:sp>
+        <p:nvSpPr>
+          <p:cNvPr id="2" name="Title 1">
+            <a:extLst>
+              <a:ext uri="{FF2B5EF4-FFF2-40B4-BE49-F238E27FC236}">
                 <a16:creationId xmlns:a16="http://schemas.microsoft.com/office/drawing/2014/main" id="{184D74D5-C221-6BF7-D8C5-4167C4B89650}"/>
               </a:ext>
             </a:extLst>
@@ -5630,129 +5721,6 @@
 </p:sld>
 </file>
 
-<file path=ppt/slides/slide19.xml><?xml version="1.0" encoding="utf-8"?>
-<p:sld xmlns:a="http://schemas.openxmlformats.org/drawingml/2006/main" xmlns:r="http://schemas.openxmlformats.org/officeDocument/2006/relationships" xmlns:p="http://schemas.openxmlformats.org/presentationml/2006/main">
-  <p:cSld>
-    <p:spTree>
-      <p:nvGrpSpPr>
-        <p:cNvPr id="1" name=""/>
-        <p:cNvGrpSpPr/>
-        <p:nvPr/>
-      </p:nvGrpSpPr>
-      <p:grpSpPr>
-        <a:xfrm>
-          <a:off x="0" y="0"/>
-          <a:ext cx="0" cy="0"/>
-          <a:chOff x="0" y="0"/>
-          <a:chExt cx="0" cy="0"/>
-        </a:xfrm>
-      </p:grpSpPr>
-      <p:sp>
-        <p:nvSpPr>
-          <p:cNvPr id="2" name="Title 1">
-            <a:extLst>
-              <a:ext uri="{FF2B5EF4-FFF2-40B4-BE49-F238E27FC236}">
-                <a16:creationId xmlns:a16="http://schemas.microsoft.com/office/drawing/2014/main" id="{E18EEDBF-AECB-3139-D750-AFD9DC2CA65B}"/>
-              </a:ext>
-            </a:extLst>
-          </p:cNvPr>
-          <p:cNvSpPr>
-            <a:spLocks noGrp="1"/>
-          </p:cNvSpPr>
-          <p:nvPr>
-            <p:ph type="title"/>
-          </p:nvPr>
-        </p:nvSpPr>
-        <p:spPr/>
-        <p:txBody>
-          <a:bodyPr/>
-          <a:lstStyle/>
-          <a:p>
-            <a:r>
-              <a:rPr lang="en-US" dirty="0"/>
-              <a:t>Other Demographic Data with Geo-code</a:t>
-            </a:r>
-          </a:p>
-        </p:txBody>
-      </p:sp>
-      <p:sp>
-        <p:nvSpPr>
-          <p:cNvPr id="3" name="Content Placeholder 2">
-            <a:extLst>
-              <a:ext uri="{FF2B5EF4-FFF2-40B4-BE49-F238E27FC236}">
-                <a16:creationId xmlns:a16="http://schemas.microsoft.com/office/drawing/2014/main" id="{DF5D7851-886D-C163-DCB8-C88DA4E63BF9}"/>
-              </a:ext>
-            </a:extLst>
-          </p:cNvPr>
-          <p:cNvSpPr>
-            <a:spLocks noGrp="1"/>
-          </p:cNvSpPr>
-          <p:nvPr>
-            <p:ph idx="1"/>
-          </p:nvPr>
-        </p:nvSpPr>
-        <p:spPr/>
-        <p:txBody>
-          <a:bodyPr/>
-          <a:lstStyle/>
-          <a:p>
-            <a:r>
-              <a:rPr lang="en-US" dirty="0"/>
-              <a:t>Demographic and Health Surveys</a:t>
-            </a:r>
-          </a:p>
-          <a:p>
-            <a:r>
-              <a:rPr lang="en-US" dirty="0"/>
-              <a:t>Multiple Indicator Cluster Surveys </a:t>
-            </a:r>
-          </a:p>
-          <a:p>
-            <a:pPr lvl="1"/>
-            <a:r>
-              <a:rPr lang="en-US" dirty="0"/>
-              <a:t>There will be one online workshop on March 20 about </a:t>
-            </a:r>
-            <a:r>
-              <a:rPr lang="en-US" dirty="0">
-                <a:hlinkClick r:id="rId2"/>
-              </a:rPr>
-              <a:t>MICS GIS</a:t>
-            </a:r>
-            <a:endParaRPr lang="en-US" dirty="0"/>
-          </a:p>
-          <a:p>
-            <a:pPr lvl="1"/>
-            <a:r>
-              <a:rPr lang="en-US" dirty="0"/>
-              <a:t>Currently no space for new register, but recording will be posted on </a:t>
-            </a:r>
-            <a:r>
-              <a:rPr lang="en-US" dirty="0">
-                <a:hlinkClick r:id="rId3"/>
-              </a:rPr>
-              <a:t>YouTube</a:t>
-            </a:r>
-            <a:r>
-              <a:rPr lang="en-US" dirty="0"/>
-              <a:t>.</a:t>
-            </a:r>
-          </a:p>
-        </p:txBody>
-      </p:sp>
-    </p:spTree>
-    <p:extLst>
-      <p:ext uri="{BB962C8B-B14F-4D97-AF65-F5344CB8AC3E}">
-        <p14:creationId xmlns:p14="http://schemas.microsoft.com/office/powerpoint/2010/main" val="3167854890"/>
-      </p:ext>
-    </p:extLst>
-  </p:cSld>
-  <p:clrMapOvr>
-    <a:masterClrMapping/>
-  </p:clrMapOvr>
-</p:sld>
-</file>
-
 <file path=ppt/slides/slide2.xml><?xml version="1.0" encoding="utf-8"?>
 <p:sld xmlns:a="http://schemas.openxmlformats.org/drawingml/2006/main" xmlns:r="http://schemas.openxmlformats.org/officeDocument/2006/relationships" xmlns:p="http://schemas.openxmlformats.org/presentationml/2006/main">
   <p:cSld>
@@ -5931,6 +5899,129 @@
           <p:cNvPr id="2" name="Title 1">
             <a:extLst>
               <a:ext uri="{FF2B5EF4-FFF2-40B4-BE49-F238E27FC236}">
+                <a16:creationId xmlns:a16="http://schemas.microsoft.com/office/drawing/2014/main" id="{E18EEDBF-AECB-3139-D750-AFD9DC2CA65B}"/>
+              </a:ext>
+            </a:extLst>
+          </p:cNvPr>
+          <p:cNvSpPr>
+            <a:spLocks noGrp="1"/>
+          </p:cNvSpPr>
+          <p:nvPr>
+            <p:ph type="title"/>
+          </p:nvPr>
+        </p:nvSpPr>
+        <p:spPr/>
+        <p:txBody>
+          <a:bodyPr/>
+          <a:lstStyle/>
+          <a:p>
+            <a:r>
+              <a:rPr lang="en-US" dirty="0"/>
+              <a:t>Other Demographic Data with Geo-code</a:t>
+            </a:r>
+          </a:p>
+        </p:txBody>
+      </p:sp>
+      <p:sp>
+        <p:nvSpPr>
+          <p:cNvPr id="3" name="Content Placeholder 2">
+            <a:extLst>
+              <a:ext uri="{FF2B5EF4-FFF2-40B4-BE49-F238E27FC236}">
+                <a16:creationId xmlns:a16="http://schemas.microsoft.com/office/drawing/2014/main" id="{DF5D7851-886D-C163-DCB8-C88DA4E63BF9}"/>
+              </a:ext>
+            </a:extLst>
+          </p:cNvPr>
+          <p:cNvSpPr>
+            <a:spLocks noGrp="1"/>
+          </p:cNvSpPr>
+          <p:nvPr>
+            <p:ph idx="1"/>
+          </p:nvPr>
+        </p:nvSpPr>
+        <p:spPr/>
+        <p:txBody>
+          <a:bodyPr/>
+          <a:lstStyle/>
+          <a:p>
+            <a:r>
+              <a:rPr lang="en-US" dirty="0"/>
+              <a:t>Demographic and Health Surveys</a:t>
+            </a:r>
+          </a:p>
+          <a:p>
+            <a:r>
+              <a:rPr lang="en-US" dirty="0"/>
+              <a:t>Multiple Indicator Cluster Surveys </a:t>
+            </a:r>
+          </a:p>
+          <a:p>
+            <a:pPr lvl="1"/>
+            <a:r>
+              <a:rPr lang="en-US" dirty="0"/>
+              <a:t>There will be one online workshop on March 20 about </a:t>
+            </a:r>
+            <a:r>
+              <a:rPr lang="en-US" dirty="0">
+                <a:hlinkClick r:id="rId2"/>
+              </a:rPr>
+              <a:t>MICS GIS</a:t>
+            </a:r>
+            <a:endParaRPr lang="en-US" dirty="0"/>
+          </a:p>
+          <a:p>
+            <a:pPr lvl="1"/>
+            <a:r>
+              <a:rPr lang="en-US" dirty="0"/>
+              <a:t>Currently no space for new register, but recording will be posted on </a:t>
+            </a:r>
+            <a:r>
+              <a:rPr lang="en-US" dirty="0">
+                <a:hlinkClick r:id="rId3"/>
+              </a:rPr>
+              <a:t>YouTube</a:t>
+            </a:r>
+            <a:r>
+              <a:rPr lang="en-US" dirty="0"/>
+              <a:t>.</a:t>
+            </a:r>
+          </a:p>
+        </p:txBody>
+      </p:sp>
+    </p:spTree>
+    <p:extLst>
+      <p:ext uri="{BB962C8B-B14F-4D97-AF65-F5344CB8AC3E}">
+        <p14:creationId xmlns:p14="http://schemas.microsoft.com/office/powerpoint/2010/main" val="3167854890"/>
+      </p:ext>
+    </p:extLst>
+  </p:cSld>
+  <p:clrMapOvr>
+    <a:masterClrMapping/>
+  </p:clrMapOvr>
+</p:sld>
+</file>
+
+<file path=ppt/slides/slide21.xml><?xml version="1.0" encoding="utf-8"?>
+<p:sld xmlns:a="http://schemas.openxmlformats.org/drawingml/2006/main" xmlns:r="http://schemas.openxmlformats.org/officeDocument/2006/relationships" xmlns:p="http://schemas.openxmlformats.org/presentationml/2006/main">
+  <p:cSld>
+    <p:spTree>
+      <p:nvGrpSpPr>
+        <p:cNvPr id="1" name=""/>
+        <p:cNvGrpSpPr/>
+        <p:nvPr/>
+      </p:nvGrpSpPr>
+      <p:grpSpPr>
+        <a:xfrm>
+          <a:off x="0" y="0"/>
+          <a:ext cx="0" cy="0"/>
+          <a:chOff x="0" y="0"/>
+          <a:chExt cx="0" cy="0"/>
+        </a:xfrm>
+      </p:grpSpPr>
+      <p:sp>
+        <p:nvSpPr>
+          <p:cNvPr id="2" name="Title 1">
+            <a:extLst>
+              <a:ext uri="{FF2B5EF4-FFF2-40B4-BE49-F238E27FC236}">
                 <a16:creationId xmlns:a16="http://schemas.microsoft.com/office/drawing/2014/main" id="{068551B4-1987-3674-8DEB-E3537B01BB97}"/>
               </a:ext>
             </a:extLst>
@@ -6043,7 +6134,7 @@
 </p:sld>
 </file>
 
-<file path=ppt/slides/slide21.xml><?xml version="1.0" encoding="utf-8"?>
+<file path=ppt/slides/slide22.xml><?xml version="1.0" encoding="utf-8"?>
 <p:sld xmlns:a="http://schemas.openxmlformats.org/drawingml/2006/main" xmlns:r="http://schemas.openxmlformats.org/officeDocument/2006/relationships" xmlns:p="http://schemas.openxmlformats.org/presentationml/2006/main">
   <p:cSld>
     <p:spTree>
